--- a/data-raw/Presentation1.pptx
+++ b/data-raw/Presentation1.pptx
@@ -3636,7 +3636,7 @@
         </p:nvSpPr>
         <p:spPr>
           <a:xfrm>
-            <a:off x="6562492" y="379142"/>
+            <a:off x="6562492" y="484565"/>
             <a:ext cx="3940874" cy="923330"/>
           </a:xfrm>
           <a:prstGeom prst="rect">
